--- a/Reports/PARROT/Application development.pptx
+++ b/Reports/PARROT/Application development.pptx
@@ -7,11 +7,14 @@
   <p:sldIdLst>
     <p:sldId id="256" r:id="rId2"/>
     <p:sldId id="257" r:id="rId3"/>
-    <p:sldId id="258" r:id="rId4"/>
-    <p:sldId id="259" r:id="rId5"/>
-    <p:sldId id="260" r:id="rId6"/>
-    <p:sldId id="261" r:id="rId7"/>
-    <p:sldId id="262" r:id="rId8"/>
+    <p:sldId id="263" r:id="rId4"/>
+    <p:sldId id="264" r:id="rId5"/>
+    <p:sldId id="258" r:id="rId6"/>
+    <p:sldId id="259" r:id="rId7"/>
+    <p:sldId id="260" r:id="rId8"/>
+    <p:sldId id="261" r:id="rId9"/>
+    <p:sldId id="265" r:id="rId10"/>
+    <p:sldId id="262" r:id="rId11"/>
   </p:sldIdLst>
   <p:sldSz cx="9144000" cy="6858000" type="screen4x3"/>
   <p:notesSz cx="6858000" cy="9144000"/>
@@ -286,6 +289,7 @@
           <a:p>
             <a:fld id="{8DC755EF-4F57-43A6-98E9-C56CCC24FD76}" type="datetimeFigureOut">
               <a:rPr lang="da-DK" smtClean="0"/>
+              <a:pPr/>
               <a:t>22-06-2012</a:t>
             </a:fld>
             <a:endParaRPr lang="da-DK"/>
@@ -328,6 +332,7 @@
           <a:p>
             <a:fld id="{FD33CC0E-EAF1-49EE-BBA8-3DF757BEE7F4}" type="slidenum">
               <a:rPr lang="da-DK" smtClean="0"/>
+              <a:pPr/>
               <a:t>‹nr.›</a:t>
             </a:fld>
             <a:endParaRPr lang="da-DK"/>
@@ -451,6 +456,7 @@
           <a:p>
             <a:fld id="{8DC755EF-4F57-43A6-98E9-C56CCC24FD76}" type="datetimeFigureOut">
               <a:rPr lang="da-DK" smtClean="0"/>
+              <a:pPr/>
               <a:t>22-06-2012</a:t>
             </a:fld>
             <a:endParaRPr lang="da-DK"/>
@@ -493,6 +499,7 @@
           <a:p>
             <a:fld id="{FD33CC0E-EAF1-49EE-BBA8-3DF757BEE7F4}" type="slidenum">
               <a:rPr lang="da-DK" smtClean="0"/>
+              <a:pPr/>
               <a:t>‹nr.›</a:t>
             </a:fld>
             <a:endParaRPr lang="da-DK"/>
@@ -626,6 +633,7 @@
           <a:p>
             <a:fld id="{8DC755EF-4F57-43A6-98E9-C56CCC24FD76}" type="datetimeFigureOut">
               <a:rPr lang="da-DK" smtClean="0"/>
+              <a:pPr/>
               <a:t>22-06-2012</a:t>
             </a:fld>
             <a:endParaRPr lang="da-DK"/>
@@ -668,6 +676,7 @@
           <a:p>
             <a:fld id="{FD33CC0E-EAF1-49EE-BBA8-3DF757BEE7F4}" type="slidenum">
               <a:rPr lang="da-DK" smtClean="0"/>
+              <a:pPr/>
               <a:t>‹nr.›</a:t>
             </a:fld>
             <a:endParaRPr lang="da-DK"/>
@@ -791,6 +800,7 @@
           <a:p>
             <a:fld id="{8DC755EF-4F57-43A6-98E9-C56CCC24FD76}" type="datetimeFigureOut">
               <a:rPr lang="da-DK" smtClean="0"/>
+              <a:pPr/>
               <a:t>22-06-2012</a:t>
             </a:fld>
             <a:endParaRPr lang="da-DK"/>
@@ -833,6 +843,7 @@
           <a:p>
             <a:fld id="{FD33CC0E-EAF1-49EE-BBA8-3DF757BEE7F4}" type="slidenum">
               <a:rPr lang="da-DK" smtClean="0"/>
+              <a:pPr/>
               <a:t>‹nr.›</a:t>
             </a:fld>
             <a:endParaRPr lang="da-DK"/>
@@ -1033,6 +1044,7 @@
           <a:p>
             <a:fld id="{8DC755EF-4F57-43A6-98E9-C56CCC24FD76}" type="datetimeFigureOut">
               <a:rPr lang="da-DK" smtClean="0"/>
+              <a:pPr/>
               <a:t>22-06-2012</a:t>
             </a:fld>
             <a:endParaRPr lang="da-DK"/>
@@ -1075,6 +1087,7 @@
           <a:p>
             <a:fld id="{FD33CC0E-EAF1-49EE-BBA8-3DF757BEE7F4}" type="slidenum">
               <a:rPr lang="da-DK" smtClean="0"/>
+              <a:pPr/>
               <a:t>‹nr.›</a:t>
             </a:fld>
             <a:endParaRPr lang="da-DK"/>
@@ -1297,6 +1310,7 @@
           <a:p>
             <a:fld id="{8DC755EF-4F57-43A6-98E9-C56CCC24FD76}" type="datetimeFigureOut">
               <a:rPr lang="da-DK" smtClean="0"/>
+              <a:pPr/>
               <a:t>22-06-2012</a:t>
             </a:fld>
             <a:endParaRPr lang="da-DK"/>
@@ -1339,6 +1353,7 @@
           <a:p>
             <a:fld id="{FD33CC0E-EAF1-49EE-BBA8-3DF757BEE7F4}" type="slidenum">
               <a:rPr lang="da-DK" smtClean="0"/>
+              <a:pPr/>
               <a:t>‹nr.›</a:t>
             </a:fld>
             <a:endParaRPr lang="da-DK"/>
@@ -1675,6 +1690,7 @@
           <a:p>
             <a:fld id="{8DC755EF-4F57-43A6-98E9-C56CCC24FD76}" type="datetimeFigureOut">
               <a:rPr lang="da-DK" smtClean="0"/>
+              <a:pPr/>
               <a:t>22-06-2012</a:t>
             </a:fld>
             <a:endParaRPr lang="da-DK"/>
@@ -1717,6 +1733,7 @@
           <a:p>
             <a:fld id="{FD33CC0E-EAF1-49EE-BBA8-3DF757BEE7F4}" type="slidenum">
               <a:rPr lang="da-DK" smtClean="0"/>
+              <a:pPr/>
               <a:t>‹nr.›</a:t>
             </a:fld>
             <a:endParaRPr lang="da-DK"/>
@@ -1825,6 +1842,7 @@
           <a:p>
             <a:fld id="{8DC755EF-4F57-43A6-98E9-C56CCC24FD76}" type="datetimeFigureOut">
               <a:rPr lang="da-DK" smtClean="0"/>
+              <a:pPr/>
               <a:t>22-06-2012</a:t>
             </a:fld>
             <a:endParaRPr lang="da-DK"/>
@@ -1867,6 +1885,7 @@
           <a:p>
             <a:fld id="{FD33CC0E-EAF1-49EE-BBA8-3DF757BEE7F4}" type="slidenum">
               <a:rPr lang="da-DK" smtClean="0"/>
+              <a:pPr/>
               <a:t>‹nr.›</a:t>
             </a:fld>
             <a:endParaRPr lang="da-DK"/>
@@ -1915,6 +1934,7 @@
           <a:p>
             <a:fld id="{8DC755EF-4F57-43A6-98E9-C56CCC24FD76}" type="datetimeFigureOut">
               <a:rPr lang="da-DK" smtClean="0"/>
+              <a:pPr/>
               <a:t>22-06-2012</a:t>
             </a:fld>
             <a:endParaRPr lang="da-DK"/>
@@ -1957,6 +1977,7 @@
           <a:p>
             <a:fld id="{FD33CC0E-EAF1-49EE-BBA8-3DF757BEE7F4}" type="slidenum">
               <a:rPr lang="da-DK" smtClean="0"/>
+              <a:pPr/>
               <a:t>‹nr.›</a:t>
             </a:fld>
             <a:endParaRPr lang="da-DK"/>
@@ -2176,6 +2197,7 @@
           <a:p>
             <a:fld id="{8DC755EF-4F57-43A6-98E9-C56CCC24FD76}" type="datetimeFigureOut">
               <a:rPr lang="da-DK" smtClean="0"/>
+              <a:pPr/>
               <a:t>22-06-2012</a:t>
             </a:fld>
             <a:endParaRPr lang="da-DK"/>
@@ -2218,6 +2240,7 @@
           <a:p>
             <a:fld id="{FD33CC0E-EAF1-49EE-BBA8-3DF757BEE7F4}" type="slidenum">
               <a:rPr lang="da-DK" smtClean="0"/>
+              <a:pPr/>
               <a:t>‹nr.›</a:t>
             </a:fld>
             <a:endParaRPr lang="da-DK"/>
@@ -2464,6 +2487,7 @@
           <a:p>
             <a:fld id="{8DC755EF-4F57-43A6-98E9-C56CCC24FD76}" type="datetimeFigureOut">
               <a:rPr lang="da-DK" smtClean="0"/>
+              <a:pPr/>
               <a:t>22-06-2012</a:t>
             </a:fld>
             <a:endParaRPr lang="da-DK"/>
@@ -2511,6 +2535,7 @@
           <a:p>
             <a:fld id="{FD33CC0E-EAF1-49EE-BBA8-3DF757BEE7F4}" type="slidenum">
               <a:rPr lang="da-DK" smtClean="0"/>
+              <a:pPr/>
               <a:t>‹nr.›</a:t>
             </a:fld>
             <a:endParaRPr lang="da-DK"/>
@@ -3235,6 +3260,7 @@
           <a:p>
             <a:fld id="{8DC755EF-4F57-43A6-98E9-C56CCC24FD76}" type="datetimeFigureOut">
               <a:rPr lang="da-DK" smtClean="0"/>
+              <a:pPr/>
               <a:t>22-06-2012</a:t>
             </a:fld>
             <a:endParaRPr lang="da-DK"/>
@@ -3313,6 +3339,7 @@
           <a:p>
             <a:fld id="{FD33CC0E-EAF1-49EE-BBA8-3DF757BEE7F4}" type="slidenum">
               <a:rPr lang="da-DK" smtClean="0"/>
+              <a:pPr/>
               <a:t>‹nr.›</a:t>
             </a:fld>
             <a:endParaRPr lang="da-DK"/>
@@ -3893,7 +3920,7 @@
           <a:p>
             <a:r>
               <a:rPr lang="en-US" dirty="0" smtClean="0"/>
-              <a:t>PARROT</a:t>
+              <a:t>Sw601f12-PARROT</a:t>
             </a:r>
             <a:endParaRPr lang="en-US" dirty="0"/>
           </a:p>
@@ -3904,6 +3931,87 @@
   <p:clrMapOvr>
     <a:masterClrMapping/>
   </p:clrMapOvr>
+  <p:timing>
+    <p:tnLst>
+      <p:par>
+        <p:cTn id="1" dur="indefinite" restart="never" nodeType="tmRoot"/>
+      </p:par>
+    </p:tnLst>
+  </p:timing>
+</p:sld>
+</file>
+
+<file path=ppt/slides/slide10.xml><?xml version="1.0" encoding="utf-8"?>
+<p:sld xmlns:a="http://schemas.openxmlformats.org/drawingml/2006/main" xmlns:r="http://schemas.openxmlformats.org/officeDocument/2006/relationships" xmlns:p="http://schemas.openxmlformats.org/presentationml/2006/main">
+  <p:cSld>
+    <p:spTree>
+      <p:nvGrpSpPr>
+        <p:cNvPr id="1" name=""/>
+        <p:cNvGrpSpPr/>
+        <p:nvPr/>
+      </p:nvGrpSpPr>
+      <p:grpSpPr>
+        <a:xfrm>
+          <a:off x="0" y="0"/>
+          <a:ext cx="0" cy="0"/>
+          <a:chOff x="0" y="0"/>
+          <a:chExt cx="0" cy="0"/>
+        </a:xfrm>
+      </p:grpSpPr>
+      <p:sp>
+        <p:nvSpPr>
+          <p:cNvPr id="2" name="Titel 1"/>
+          <p:cNvSpPr>
+            <a:spLocks noGrp="1"/>
+          </p:cNvSpPr>
+          <p:nvPr>
+            <p:ph type="title"/>
+          </p:nvPr>
+        </p:nvSpPr>
+        <p:spPr/>
+        <p:txBody>
+          <a:bodyPr/>
+          <a:lstStyle/>
+          <a:p>
+            <a:r>
+              <a:rPr lang="en-US" dirty="0" smtClean="0"/>
+              <a:t>Epilog </a:t>
+            </a:r>
+            <a:endParaRPr lang="en-US" dirty="0"/>
+          </a:p>
+        </p:txBody>
+      </p:sp>
+      <p:sp>
+        <p:nvSpPr>
+          <p:cNvPr id="3" name="Pladsholder til indhold 2"/>
+          <p:cNvSpPr>
+            <a:spLocks noGrp="1"/>
+          </p:cNvSpPr>
+          <p:nvPr>
+            <p:ph idx="1"/>
+          </p:nvPr>
+        </p:nvSpPr>
+        <p:spPr/>
+        <p:txBody>
+          <a:bodyPr/>
+          <a:lstStyle/>
+          <a:p>
+            <a:endParaRPr lang="en-US" dirty="0"/>
+          </a:p>
+        </p:txBody>
+      </p:sp>
+    </p:spTree>
+  </p:cSld>
+  <p:clrMapOvr>
+    <a:masterClrMapping/>
+  </p:clrMapOvr>
+  <p:timing>
+    <p:tnLst>
+      <p:par>
+        <p:cTn id="1" dur="indefinite" restart="never" nodeType="tmRoot"/>
+      </p:par>
+    </p:tnLst>
+  </p:timing>
 </p:sld>
 </file>
 
@@ -3959,8 +4067,19 @@
         </p:nvSpPr>
         <p:spPr/>
         <p:txBody>
-          <a:bodyPr/>
-          <a:lstStyle/>
+          <a:bodyPr>
+            <a:normAutofit/>
+          </a:bodyPr>
+          <a:lstStyle/>
+          <a:p>
+            <a:r>
+              <a:rPr lang="en-US" dirty="0" smtClean="0"/>
+              <a:t>Multi project</a:t>
+            </a:r>
+          </a:p>
+          <a:p>
+            <a:endParaRPr lang="en-US" dirty="0" smtClean="0"/>
+          </a:p>
           <a:p>
             <a:r>
               <a:rPr lang="en-US" dirty="0" smtClean="0"/>
@@ -3968,23 +4087,60 @@
             </a:r>
           </a:p>
           <a:p>
+            <a:pPr lvl="1"/>
             <a:r>
               <a:rPr lang="en-US" dirty="0" smtClean="0"/>
-              <a:t>Development method </a:t>
-            </a:r>
-          </a:p>
-          <a:p>
+              <a:t>Guardians</a:t>
+            </a:r>
+          </a:p>
+          <a:p>
+            <a:pPr lvl="1"/>
             <a:r>
               <a:rPr lang="en-US" dirty="0" smtClean="0"/>
-              <a:t>Problem definition </a:t>
-            </a:r>
-          </a:p>
-          <a:p>
-            <a:r>
-              <a:rPr lang="en-US" smtClean="0"/>
-              <a:t>System description </a:t>
-            </a:r>
-            <a:endParaRPr lang="en-US" dirty="0"/>
+              <a:t>Children with </a:t>
+            </a:r>
+            <a:r>
+              <a:rPr lang="en-US" dirty="0" smtClean="0"/>
+              <a:t>ASD</a:t>
+            </a:r>
+            <a:endParaRPr lang="en-US" dirty="0" smtClean="0"/>
+          </a:p>
+          <a:p>
+            <a:pPr>
+              <a:buNone/>
+            </a:pPr>
+            <a:endParaRPr lang="en-US" dirty="0" smtClean="0"/>
+          </a:p>
+          <a:p>
+            <a:r>
+              <a:rPr lang="en-US" dirty="0" smtClean="0"/>
+              <a:t>Development </a:t>
+            </a:r>
+            <a:r>
+              <a:rPr lang="en-US" dirty="0" smtClean="0"/>
+              <a:t>method </a:t>
+            </a:r>
+            <a:endParaRPr lang="en-US" dirty="0" smtClean="0"/>
+          </a:p>
+          <a:p>
+            <a:pPr lvl="1"/>
+            <a:r>
+              <a:rPr lang="en-US" dirty="0" smtClean="0"/>
+              <a:t>Agile and scrum</a:t>
+            </a:r>
+          </a:p>
+          <a:p>
+            <a:pPr lvl="1"/>
+            <a:r>
+              <a:rPr lang="en-US" dirty="0" smtClean="0"/>
+              <a:t>Our development method.</a:t>
+            </a:r>
+          </a:p>
+          <a:p>
+            <a:pPr lvl="1">
+              <a:buNone/>
+            </a:pPr>
+            <a:endParaRPr lang="en-US" dirty="0" smtClean="0"/>
           </a:p>
         </p:txBody>
       </p:sp>
@@ -3993,6 +4149,13 @@
   <p:clrMapOvr>
     <a:masterClrMapping/>
   </p:clrMapOvr>
+  <p:timing>
+    <p:tnLst>
+      <p:par>
+        <p:cTn id="1" dur="indefinite" restart="never" nodeType="tmRoot"/>
+      </p:par>
+    </p:tnLst>
+  </p:timing>
 </p:sld>
 </file>
 
@@ -4030,7 +4193,11 @@
           <a:p>
             <a:r>
               <a:rPr lang="en-US" dirty="0" smtClean="0"/>
-              <a:t>Analysis </a:t>
+              <a:t>Multi </a:t>
+            </a:r>
+            <a:r>
+              <a:rPr lang="en-US" dirty="0" smtClean="0"/>
+              <a:t>Project cont.</a:t>
             </a:r>
             <a:endParaRPr lang="en-US" dirty="0"/>
           </a:p>
@@ -4053,23 +4220,30 @@
           <a:p>
             <a:r>
               <a:rPr lang="en-US" dirty="0" smtClean="0"/>
-              <a:t>Meeting with </a:t>
-            </a:r>
-            <a:r>
-              <a:rPr lang="en-US" dirty="0" err="1" smtClean="0"/>
-              <a:t>Tove</a:t>
-            </a:r>
-            <a:r>
-              <a:rPr lang="en-US" dirty="0" smtClean="0"/>
-              <a:t> </a:t>
-            </a:r>
+              <a:t>Problem definition </a:t>
+            </a:r>
+            <a:endParaRPr lang="en-US" dirty="0" smtClean="0"/>
           </a:p>
           <a:p>
             <a:pPr lvl="1"/>
+            <a:r>
+              <a:rPr lang="en-US" i="1" dirty="0" smtClean="0"/>
+              <a:t>How can we ease the daily life for children with ASD and their guardians, </a:t>
+            </a:r>
+            <a:r>
+              <a:rPr lang="en-US" i="1" dirty="0" smtClean="0"/>
+              <a:t>while complying </a:t>
+            </a:r>
+            <a:r>
+              <a:rPr lang="en-US" i="1" dirty="0" smtClean="0"/>
+              <a:t>with the study regulation?</a:t>
+            </a:r>
             <a:endParaRPr lang="en-US" dirty="0" smtClean="0"/>
           </a:p>
           <a:p>
-            <a:pPr lvl="1"/>
+            <a:pPr>
+              <a:buNone/>
+            </a:pPr>
             <a:endParaRPr lang="en-US" dirty="0" smtClean="0"/>
           </a:p>
           <a:p>
@@ -4082,6 +4256,13 @@
   <p:clrMapOvr>
     <a:masterClrMapping/>
   </p:clrMapOvr>
+  <p:timing>
+    <p:tnLst>
+      <p:par>
+        <p:cTn id="1" dur="indefinite" restart="never" nodeType="tmRoot"/>
+      </p:par>
+    </p:tnLst>
+  </p:timing>
 </p:sld>
 </file>
 
@@ -4119,7 +4300,7 @@
           <a:p>
             <a:r>
               <a:rPr lang="en-US" dirty="0" smtClean="0"/>
-              <a:t>Application Design</a:t>
+              <a:t>Multi Project cont.</a:t>
             </a:r>
             <a:endParaRPr lang="en-US" dirty="0"/>
           </a:p>
@@ -4142,26 +4323,57 @@
           <a:p>
             <a:r>
               <a:rPr lang="en-US" dirty="0" smtClean="0"/>
-              <a:t>Design Choices</a:t>
-            </a:r>
-          </a:p>
-          <a:p>
+              <a:t>System description &amp; </a:t>
+            </a:r>
+            <a:r>
+              <a:rPr lang="en-US" dirty="0" smtClean="0"/>
+              <a:t>architecture.</a:t>
+            </a:r>
             <a:endParaRPr lang="en-US" dirty="0" smtClean="0"/>
           </a:p>
           <a:p>
-            <a:r>
-              <a:rPr lang="en-US" dirty="0" smtClean="0"/>
-              <a:t>Feature choices</a:t>
-            </a:r>
             <a:endParaRPr lang="en-US" dirty="0"/>
           </a:p>
         </p:txBody>
       </p:sp>
+      <p:pic>
+        <p:nvPicPr>
+          <p:cNvPr id="1026" name="Picture 2" descr="C:\Users\Christoffer\Desktop\Giraf arc.png"/>
+          <p:cNvPicPr>
+            <a:picLocks noChangeAspect="1" noChangeArrowheads="1"/>
+          </p:cNvPicPr>
+          <p:nvPr/>
+        </p:nvPicPr>
+        <p:blipFill>
+          <a:blip r:embed="rId2" cstate="print"/>
+          <a:srcRect/>
+          <a:stretch>
+            <a:fillRect/>
+          </a:stretch>
+        </p:blipFill>
+        <p:spPr bwMode="auto">
+          <a:xfrm>
+            <a:off x="1979712" y="2420888"/>
+            <a:ext cx="5184576" cy="4318098"/>
+          </a:xfrm>
+          <a:prstGeom prst="rect">
+            <a:avLst/>
+          </a:prstGeom>
+          <a:noFill/>
+        </p:spPr>
+      </p:pic>
     </p:spTree>
   </p:cSld>
   <p:clrMapOvr>
     <a:masterClrMapping/>
   </p:clrMapOvr>
+  <p:timing>
+    <p:tnLst>
+      <p:par>
+        <p:cTn id="1" dur="indefinite" restart="never" nodeType="tmRoot"/>
+      </p:par>
+    </p:tnLst>
+  </p:timing>
 </p:sld>
 </file>
 
@@ -4199,7 +4411,7 @@
           <a:p>
             <a:r>
               <a:rPr lang="en-US" dirty="0" smtClean="0"/>
-              <a:t>Implementation</a:t>
+              <a:t>Analysis </a:t>
             </a:r>
             <a:endParaRPr lang="en-US" dirty="0"/>
           </a:p>
@@ -4222,8 +4434,26 @@
           <a:p>
             <a:r>
               <a:rPr lang="en-US" dirty="0" smtClean="0"/>
-              <a:t>Features/functions </a:t>
-            </a:r>
+              <a:t>Meeting with </a:t>
+            </a:r>
+            <a:r>
+              <a:rPr lang="en-US" dirty="0" err="1" smtClean="0"/>
+              <a:t>Tove</a:t>
+            </a:r>
+            <a:r>
+              <a:rPr lang="en-US" dirty="0" smtClean="0"/>
+              <a:t> </a:t>
+            </a:r>
+          </a:p>
+          <a:p>
+            <a:pPr lvl="1"/>
+            <a:endParaRPr lang="en-US" dirty="0" smtClean="0"/>
+          </a:p>
+          <a:p>
+            <a:pPr lvl="1"/>
+            <a:endParaRPr lang="en-US" dirty="0" smtClean="0"/>
+          </a:p>
+          <a:p>
             <a:endParaRPr lang="en-US" dirty="0"/>
           </a:p>
         </p:txBody>
@@ -4233,6 +4463,13 @@
   <p:clrMapOvr>
     <a:masterClrMapping/>
   </p:clrMapOvr>
+  <p:timing>
+    <p:tnLst>
+      <p:par>
+        <p:cTn id="1" dur="indefinite" restart="never" nodeType="tmRoot"/>
+      </p:par>
+    </p:tnLst>
+  </p:timing>
 </p:sld>
 </file>
 
@@ -4270,7 +4507,7 @@
           <a:p>
             <a:r>
               <a:rPr lang="en-US" dirty="0" smtClean="0"/>
-              <a:t>Testing </a:t>
+              <a:t>Application Design</a:t>
             </a:r>
             <a:endParaRPr lang="en-US" dirty="0"/>
           </a:p>
@@ -4293,19 +4530,16 @@
           <a:p>
             <a:r>
               <a:rPr lang="en-US" dirty="0" smtClean="0"/>
-              <a:t>Ad-hoc testing</a:t>
-            </a:r>
+              <a:t>Design Choices</a:t>
+            </a:r>
+          </a:p>
+          <a:p>
+            <a:endParaRPr lang="en-US" dirty="0" smtClean="0"/>
           </a:p>
           <a:p>
             <a:r>
               <a:rPr lang="en-US" dirty="0" smtClean="0"/>
-              <a:t>Dynamic Black box testing</a:t>
-            </a:r>
-          </a:p>
-          <a:p>
-            <a:r>
-              <a:rPr lang="en-US" dirty="0" smtClean="0"/>
-              <a:t>Usability testing </a:t>
+              <a:t>Feature choices</a:t>
             </a:r>
             <a:endParaRPr lang="en-US" dirty="0"/>
           </a:p>
@@ -4316,6 +4550,13 @@
   <p:clrMapOvr>
     <a:masterClrMapping/>
   </p:clrMapOvr>
+  <p:timing>
+    <p:tnLst>
+      <p:par>
+        <p:cTn id="1" dur="indefinite" restart="never" nodeType="tmRoot"/>
+      </p:par>
+    </p:tnLst>
+  </p:timing>
 </p:sld>
 </file>
 
@@ -4353,7 +4594,7 @@
           <a:p>
             <a:r>
               <a:rPr lang="en-US" dirty="0" smtClean="0"/>
-              <a:t>Epilog </a:t>
+              <a:t>Implementation</a:t>
             </a:r>
             <a:endParaRPr lang="en-US" dirty="0"/>
           </a:p>
@@ -4374,6 +4615,10 @@
           <a:bodyPr/>
           <a:lstStyle/>
           <a:p>
+            <a:r>
+              <a:rPr lang="en-US" dirty="0" smtClean="0"/>
+              <a:t>Features/functions </a:t>
+            </a:r>
             <a:endParaRPr lang="en-US" dirty="0"/>
           </a:p>
         </p:txBody>
@@ -4383,6 +4628,234 @@
   <p:clrMapOvr>
     <a:masterClrMapping/>
   </p:clrMapOvr>
+  <p:timing>
+    <p:tnLst>
+      <p:par>
+        <p:cTn id="1" dur="indefinite" restart="never" nodeType="tmRoot"/>
+      </p:par>
+    </p:tnLst>
+  </p:timing>
+</p:sld>
+</file>
+
+<file path=ppt/slides/slide8.xml><?xml version="1.0" encoding="utf-8"?>
+<p:sld xmlns:a="http://schemas.openxmlformats.org/drawingml/2006/main" xmlns:r="http://schemas.openxmlformats.org/officeDocument/2006/relationships" xmlns:p="http://schemas.openxmlformats.org/presentationml/2006/main">
+  <p:cSld>
+    <p:spTree>
+      <p:nvGrpSpPr>
+        <p:cNvPr id="1" name=""/>
+        <p:cNvGrpSpPr/>
+        <p:nvPr/>
+      </p:nvGrpSpPr>
+      <p:grpSpPr>
+        <a:xfrm>
+          <a:off x="0" y="0"/>
+          <a:ext cx="0" cy="0"/>
+          <a:chOff x="0" y="0"/>
+          <a:chExt cx="0" cy="0"/>
+        </a:xfrm>
+      </p:grpSpPr>
+      <p:sp>
+        <p:nvSpPr>
+          <p:cNvPr id="2" name="Titel 1"/>
+          <p:cNvSpPr>
+            <a:spLocks noGrp="1"/>
+          </p:cNvSpPr>
+          <p:nvPr>
+            <p:ph type="title"/>
+          </p:nvPr>
+        </p:nvSpPr>
+        <p:spPr/>
+        <p:txBody>
+          <a:bodyPr/>
+          <a:lstStyle/>
+          <a:p>
+            <a:r>
+              <a:rPr lang="en-US" dirty="0" smtClean="0"/>
+              <a:t>Testing </a:t>
+            </a:r>
+            <a:endParaRPr lang="en-US" dirty="0"/>
+          </a:p>
+        </p:txBody>
+      </p:sp>
+      <p:sp>
+        <p:nvSpPr>
+          <p:cNvPr id="3" name="Pladsholder til indhold 2"/>
+          <p:cNvSpPr>
+            <a:spLocks noGrp="1"/>
+          </p:cNvSpPr>
+          <p:nvPr>
+            <p:ph idx="1"/>
+          </p:nvPr>
+        </p:nvSpPr>
+        <p:spPr/>
+        <p:txBody>
+          <a:bodyPr/>
+          <a:lstStyle/>
+          <a:p>
+            <a:r>
+              <a:rPr lang="en-US" dirty="0" smtClean="0"/>
+              <a:t>Ad-hoc </a:t>
+            </a:r>
+            <a:r>
+              <a:rPr lang="en-US" dirty="0" smtClean="0"/>
+              <a:t>testing</a:t>
+            </a:r>
+          </a:p>
+          <a:p>
+            <a:pPr lvl="1"/>
+            <a:r>
+              <a:rPr lang="en-US" dirty="0" smtClean="0"/>
+              <a:t>Quality improvement on the run.</a:t>
+            </a:r>
+            <a:endParaRPr lang="en-US" dirty="0" smtClean="0"/>
+          </a:p>
+          <a:p>
+            <a:r>
+              <a:rPr lang="en-US" dirty="0" smtClean="0"/>
+              <a:t>Dynamic Black box </a:t>
+            </a:r>
+            <a:r>
+              <a:rPr lang="en-US" dirty="0" smtClean="0"/>
+              <a:t>testing</a:t>
+            </a:r>
+          </a:p>
+          <a:p>
+            <a:pPr lvl="1"/>
+            <a:r>
+              <a:rPr lang="en-US" dirty="0" smtClean="0"/>
+              <a:t>Quality assurance according to the specification. </a:t>
+            </a:r>
+            <a:endParaRPr lang="en-US" dirty="0" smtClean="0"/>
+          </a:p>
+          <a:p>
+            <a:r>
+              <a:rPr lang="en-US" dirty="0" smtClean="0"/>
+              <a:t>Usability </a:t>
+            </a:r>
+            <a:r>
+              <a:rPr lang="en-US" dirty="0" smtClean="0"/>
+              <a:t>testing</a:t>
+            </a:r>
+          </a:p>
+          <a:p>
+            <a:pPr lvl="1"/>
+            <a:r>
+              <a:rPr lang="en-US" dirty="0" smtClean="0"/>
+              <a:t> </a:t>
+            </a:r>
+            <a:endParaRPr lang="en-US" dirty="0"/>
+          </a:p>
+        </p:txBody>
+      </p:sp>
+    </p:spTree>
+  </p:cSld>
+  <p:clrMapOvr>
+    <a:masterClrMapping/>
+  </p:clrMapOvr>
+  <p:timing>
+    <p:tnLst>
+      <p:par>
+        <p:cTn id="1" dur="indefinite" restart="never" nodeType="tmRoot"/>
+      </p:par>
+    </p:tnLst>
+  </p:timing>
+</p:sld>
+</file>
+
+<file path=ppt/slides/slide9.xml><?xml version="1.0" encoding="utf-8"?>
+<p:sld xmlns:a="http://schemas.openxmlformats.org/drawingml/2006/main" xmlns:r="http://schemas.openxmlformats.org/officeDocument/2006/relationships" xmlns:p="http://schemas.openxmlformats.org/presentationml/2006/main">
+  <p:cSld>
+    <p:spTree>
+      <p:nvGrpSpPr>
+        <p:cNvPr id="1" name=""/>
+        <p:cNvGrpSpPr/>
+        <p:nvPr/>
+      </p:nvGrpSpPr>
+      <p:grpSpPr>
+        <a:xfrm>
+          <a:off x="0" y="0"/>
+          <a:ext cx="0" cy="0"/>
+          <a:chOff x="0" y="0"/>
+          <a:chExt cx="0" cy="0"/>
+        </a:xfrm>
+      </p:grpSpPr>
+      <p:sp>
+        <p:nvSpPr>
+          <p:cNvPr id="2" name="Titel 1"/>
+          <p:cNvSpPr>
+            <a:spLocks noGrp="1"/>
+          </p:cNvSpPr>
+          <p:nvPr>
+            <p:ph type="title"/>
+          </p:nvPr>
+        </p:nvSpPr>
+        <p:spPr/>
+        <p:txBody>
+          <a:bodyPr/>
+          <a:lstStyle/>
+          <a:p>
+            <a:endParaRPr lang="en-US"/>
+          </a:p>
+        </p:txBody>
+      </p:sp>
+      <p:sp>
+        <p:nvSpPr>
+          <p:cNvPr id="3" name="Pladsholder til indhold 2"/>
+          <p:cNvSpPr>
+            <a:spLocks noGrp="1"/>
+          </p:cNvSpPr>
+          <p:nvPr>
+            <p:ph idx="1"/>
+          </p:nvPr>
+        </p:nvSpPr>
+        <p:spPr/>
+        <p:txBody>
+          <a:bodyPr/>
+          <a:lstStyle/>
+          <a:p>
+            <a:endParaRPr lang="en-US"/>
+          </a:p>
+        </p:txBody>
+      </p:sp>
+      <p:pic>
+        <p:nvPicPr>
+          <p:cNvPr id="2050" name="Picture 2" descr="C:\Users\Christoffer\Desktop\speech_board.jpg"/>
+          <p:cNvPicPr>
+            <a:picLocks noChangeAspect="1" noChangeArrowheads="1"/>
+          </p:cNvPicPr>
+          <p:nvPr/>
+        </p:nvPicPr>
+        <p:blipFill>
+          <a:blip r:embed="rId2" cstate="print"/>
+          <a:srcRect/>
+          <a:stretch>
+            <a:fillRect/>
+          </a:stretch>
+        </p:blipFill>
+        <p:spPr bwMode="auto">
+          <a:xfrm>
+            <a:off x="2699792" y="260648"/>
+            <a:ext cx="3888432" cy="6221491"/>
+          </a:xfrm>
+          <a:prstGeom prst="rect">
+            <a:avLst/>
+          </a:prstGeom>
+          <a:noFill/>
+        </p:spPr>
+      </p:pic>
+    </p:spTree>
+  </p:cSld>
+  <p:clrMapOvr>
+    <a:masterClrMapping/>
+  </p:clrMapOvr>
+  <p:timing>
+    <p:tnLst>
+      <p:par>
+        <p:cTn id="1" dur="indefinite" restart="never" nodeType="tmRoot"/>
+      </p:par>
+    </p:tnLst>
+  </p:timing>
 </p:sld>
 </file>
 

--- a/Reports/PARROT/Application development.pptx
+++ b/Reports/PARROT/Application development.pptx
@@ -12,9 +12,12 @@
     <p:sldId id="258" r:id="rId6"/>
     <p:sldId id="259" r:id="rId7"/>
     <p:sldId id="260" r:id="rId8"/>
-    <p:sldId id="261" r:id="rId9"/>
-    <p:sldId id="265" r:id="rId10"/>
-    <p:sldId id="262" r:id="rId11"/>
+    <p:sldId id="269" r:id="rId9"/>
+    <p:sldId id="261" r:id="rId10"/>
+    <p:sldId id="266" r:id="rId11"/>
+    <p:sldId id="268" r:id="rId12"/>
+    <p:sldId id="267" r:id="rId13"/>
+    <p:sldId id="262" r:id="rId14"/>
   </p:sldIdLst>
   <p:sldSz cx="9144000" cy="6858000" type="screen4x3"/>
   <p:notesSz cx="6858000" cy="9144000"/>
@@ -290,7 +293,7 @@
             <a:fld id="{8DC755EF-4F57-43A6-98E9-C56CCC24FD76}" type="datetimeFigureOut">
               <a:rPr lang="da-DK" smtClean="0"/>
               <a:pPr/>
-              <a:t>22-06-2012</a:t>
+              <a:t>23-06-2012</a:t>
             </a:fld>
             <a:endParaRPr lang="da-DK"/>
           </a:p>
@@ -457,7 +460,7 @@
             <a:fld id="{8DC755EF-4F57-43A6-98E9-C56CCC24FD76}" type="datetimeFigureOut">
               <a:rPr lang="da-DK" smtClean="0"/>
               <a:pPr/>
-              <a:t>22-06-2012</a:t>
+              <a:t>23-06-2012</a:t>
             </a:fld>
             <a:endParaRPr lang="da-DK"/>
           </a:p>
@@ -634,7 +637,7 @@
             <a:fld id="{8DC755EF-4F57-43A6-98E9-C56CCC24FD76}" type="datetimeFigureOut">
               <a:rPr lang="da-DK" smtClean="0"/>
               <a:pPr/>
-              <a:t>22-06-2012</a:t>
+              <a:t>23-06-2012</a:t>
             </a:fld>
             <a:endParaRPr lang="da-DK"/>
           </a:p>
@@ -801,7 +804,7 @@
             <a:fld id="{8DC755EF-4F57-43A6-98E9-C56CCC24FD76}" type="datetimeFigureOut">
               <a:rPr lang="da-DK" smtClean="0"/>
               <a:pPr/>
-              <a:t>22-06-2012</a:t>
+              <a:t>23-06-2012</a:t>
             </a:fld>
             <a:endParaRPr lang="da-DK"/>
           </a:p>
@@ -1045,7 +1048,7 @@
             <a:fld id="{8DC755EF-4F57-43A6-98E9-C56CCC24FD76}" type="datetimeFigureOut">
               <a:rPr lang="da-DK" smtClean="0"/>
               <a:pPr/>
-              <a:t>22-06-2012</a:t>
+              <a:t>23-06-2012</a:t>
             </a:fld>
             <a:endParaRPr lang="da-DK"/>
           </a:p>
@@ -1311,7 +1314,7 @@
             <a:fld id="{8DC755EF-4F57-43A6-98E9-C56CCC24FD76}" type="datetimeFigureOut">
               <a:rPr lang="da-DK" smtClean="0"/>
               <a:pPr/>
-              <a:t>22-06-2012</a:t>
+              <a:t>23-06-2012</a:t>
             </a:fld>
             <a:endParaRPr lang="da-DK"/>
           </a:p>
@@ -1691,7 +1694,7 @@
             <a:fld id="{8DC755EF-4F57-43A6-98E9-C56CCC24FD76}" type="datetimeFigureOut">
               <a:rPr lang="da-DK" smtClean="0"/>
               <a:pPr/>
-              <a:t>22-06-2012</a:t>
+              <a:t>23-06-2012</a:t>
             </a:fld>
             <a:endParaRPr lang="da-DK"/>
           </a:p>
@@ -1843,7 +1846,7 @@
             <a:fld id="{8DC755EF-4F57-43A6-98E9-C56CCC24FD76}" type="datetimeFigureOut">
               <a:rPr lang="da-DK" smtClean="0"/>
               <a:pPr/>
-              <a:t>22-06-2012</a:t>
+              <a:t>23-06-2012</a:t>
             </a:fld>
             <a:endParaRPr lang="da-DK"/>
           </a:p>
@@ -1935,7 +1938,7 @@
             <a:fld id="{8DC755EF-4F57-43A6-98E9-C56CCC24FD76}" type="datetimeFigureOut">
               <a:rPr lang="da-DK" smtClean="0"/>
               <a:pPr/>
-              <a:t>22-06-2012</a:t>
+              <a:t>23-06-2012</a:t>
             </a:fld>
             <a:endParaRPr lang="da-DK"/>
           </a:p>
@@ -2198,7 +2201,7 @@
             <a:fld id="{8DC755EF-4F57-43A6-98E9-C56CCC24FD76}" type="datetimeFigureOut">
               <a:rPr lang="da-DK" smtClean="0"/>
               <a:pPr/>
-              <a:t>22-06-2012</a:t>
+              <a:t>23-06-2012</a:t>
             </a:fld>
             <a:endParaRPr lang="da-DK"/>
           </a:p>
@@ -2488,7 +2491,7 @@
             <a:fld id="{8DC755EF-4F57-43A6-98E9-C56CCC24FD76}" type="datetimeFigureOut">
               <a:rPr lang="da-DK" smtClean="0"/>
               <a:pPr/>
-              <a:t>22-06-2012</a:t>
+              <a:t>23-06-2012</a:t>
             </a:fld>
             <a:endParaRPr lang="da-DK"/>
           </a:p>
@@ -3261,7 +3264,7 @@
             <a:fld id="{8DC755EF-4F57-43A6-98E9-C56CCC24FD76}" type="datetimeFigureOut">
               <a:rPr lang="da-DK" smtClean="0"/>
               <a:pPr/>
-              <a:t>22-06-2012</a:t>
+              <a:t>23-06-2012</a:t>
             </a:fld>
             <a:endParaRPr lang="da-DK"/>
           </a:p>
@@ -3960,6 +3963,243 @@
       </p:grpSpPr>
       <p:sp>
         <p:nvSpPr>
+          <p:cNvPr id="3" name="Pladsholder til indhold 2"/>
+          <p:cNvSpPr>
+            <a:spLocks noGrp="1"/>
+          </p:cNvSpPr>
+          <p:nvPr>
+            <p:ph idx="1"/>
+          </p:nvPr>
+        </p:nvSpPr>
+        <p:spPr>
+          <a:xfrm>
+            <a:off x="457200" y="980728"/>
+            <a:ext cx="8229600" cy="5343872"/>
+          </a:xfrm>
+        </p:spPr>
+        <p:txBody>
+          <a:bodyPr/>
+          <a:lstStyle/>
+          <a:p>
+            <a:r>
+              <a:rPr lang="en-US" dirty="0" smtClean="0"/>
+              <a:t>Dynamic Black box testing</a:t>
+            </a:r>
+          </a:p>
+          <a:p>
+            <a:pPr lvl="1"/>
+            <a:r>
+              <a:rPr lang="en-US" dirty="0" smtClean="0"/>
+              <a:t>Quality assurance according to the specification. </a:t>
+            </a:r>
+          </a:p>
+          <a:p>
+            <a:pPr>
+              <a:buNone/>
+            </a:pPr>
+            <a:endParaRPr lang="en-US" dirty="0"/>
+          </a:p>
+        </p:txBody>
+      </p:sp>
+      <p:pic>
+        <p:nvPicPr>
+          <p:cNvPr id="4" name="Picture 2" descr="C:\Users\Christoffer\Desktop\test cases.png"/>
+          <p:cNvPicPr>
+            <a:picLocks noChangeAspect="1" noChangeArrowheads="1"/>
+          </p:cNvPicPr>
+          <p:nvPr/>
+        </p:nvPicPr>
+        <p:blipFill>
+          <a:blip r:embed="rId2" cstate="print"/>
+          <a:srcRect/>
+          <a:stretch>
+            <a:fillRect/>
+          </a:stretch>
+        </p:blipFill>
+        <p:spPr bwMode="auto">
+          <a:xfrm>
+            <a:off x="899592" y="2060848"/>
+            <a:ext cx="7231063" cy="4143375"/>
+          </a:xfrm>
+          <a:prstGeom prst="rect">
+            <a:avLst/>
+          </a:prstGeom>
+          <a:noFill/>
+        </p:spPr>
+      </p:pic>
+    </p:spTree>
+  </p:cSld>
+  <p:clrMapOvr>
+    <a:masterClrMapping/>
+  </p:clrMapOvr>
+  <p:timing>
+    <p:tnLst>
+      <p:par>
+        <p:cTn id="1" dur="indefinite" restart="never" nodeType="tmRoot"/>
+      </p:par>
+    </p:tnLst>
+  </p:timing>
+</p:sld>
+</file>
+
+<file path=ppt/slides/slide11.xml><?xml version="1.0" encoding="utf-8"?>
+<p:sld xmlns:a="http://schemas.openxmlformats.org/drawingml/2006/main" xmlns:r="http://schemas.openxmlformats.org/officeDocument/2006/relationships" xmlns:p="http://schemas.openxmlformats.org/presentationml/2006/main">
+  <p:cSld>
+    <p:spTree>
+      <p:nvGrpSpPr>
+        <p:cNvPr id="1" name=""/>
+        <p:cNvGrpSpPr/>
+        <p:nvPr/>
+      </p:nvGrpSpPr>
+      <p:grpSpPr>
+        <a:xfrm>
+          <a:off x="0" y="0"/>
+          <a:ext cx="0" cy="0"/>
+          <a:chOff x="0" y="0"/>
+          <a:chExt cx="0" cy="0"/>
+        </a:xfrm>
+      </p:grpSpPr>
+      <p:pic>
+        <p:nvPicPr>
+          <p:cNvPr id="2050" name="Picture 2" descr="C:\Users\Christoffer\Desktop\speech_board.jpg"/>
+          <p:cNvPicPr>
+            <a:picLocks noChangeAspect="1" noChangeArrowheads="1"/>
+          </p:cNvPicPr>
+          <p:nvPr/>
+        </p:nvPicPr>
+        <p:blipFill>
+          <a:blip r:embed="rId2" cstate="print"/>
+          <a:srcRect/>
+          <a:stretch>
+            <a:fillRect/>
+          </a:stretch>
+        </p:blipFill>
+        <p:spPr bwMode="auto">
+          <a:xfrm>
+            <a:off x="2987824" y="476672"/>
+            <a:ext cx="3817861" cy="6108576"/>
+          </a:xfrm>
+          <a:prstGeom prst="rect">
+            <a:avLst/>
+          </a:prstGeom>
+          <a:noFill/>
+        </p:spPr>
+      </p:pic>
+    </p:spTree>
+  </p:cSld>
+  <p:clrMapOvr>
+    <a:masterClrMapping/>
+  </p:clrMapOvr>
+  <p:timing>
+    <p:tnLst>
+      <p:par>
+        <p:cTn id="1" dur="indefinite" restart="never" nodeType="tmRoot"/>
+      </p:par>
+    </p:tnLst>
+  </p:timing>
+</p:sld>
+</file>
+
+<file path=ppt/slides/slide12.xml><?xml version="1.0" encoding="utf-8"?>
+<p:sld xmlns:a="http://schemas.openxmlformats.org/drawingml/2006/main" xmlns:r="http://schemas.openxmlformats.org/officeDocument/2006/relationships" xmlns:p="http://schemas.openxmlformats.org/presentationml/2006/main">
+  <p:cSld>
+    <p:spTree>
+      <p:nvGrpSpPr>
+        <p:cNvPr id="1" name=""/>
+        <p:cNvGrpSpPr/>
+        <p:nvPr/>
+      </p:nvGrpSpPr>
+      <p:grpSpPr>
+        <a:xfrm>
+          <a:off x="0" y="0"/>
+          <a:ext cx="0" cy="0"/>
+          <a:chOff x="0" y="0"/>
+          <a:chExt cx="0" cy="0"/>
+        </a:xfrm>
+      </p:grpSpPr>
+      <p:sp>
+        <p:nvSpPr>
+          <p:cNvPr id="3" name="Pladsholder til indhold 2"/>
+          <p:cNvSpPr>
+            <a:spLocks noGrp="1"/>
+          </p:cNvSpPr>
+          <p:nvPr>
+            <p:ph idx="1"/>
+          </p:nvPr>
+        </p:nvSpPr>
+        <p:spPr>
+          <a:xfrm>
+            <a:off x="457200" y="980728"/>
+            <a:ext cx="8229600" cy="5343872"/>
+          </a:xfrm>
+        </p:spPr>
+        <p:txBody>
+          <a:bodyPr/>
+          <a:lstStyle/>
+          <a:p>
+            <a:r>
+              <a:rPr lang="en-US" dirty="0" smtClean="0"/>
+              <a:t>Usability testing</a:t>
+            </a:r>
+          </a:p>
+          <a:p>
+            <a:endParaRPr lang="en-US" dirty="0"/>
+          </a:p>
+        </p:txBody>
+      </p:sp>
+      <p:pic>
+        <p:nvPicPr>
+          <p:cNvPr id="3074" name="Picture 2" descr="C:\Users\Christoffer\Desktop\usability.png"/>
+          <p:cNvPicPr>
+            <a:picLocks noChangeAspect="1" noChangeArrowheads="1"/>
+          </p:cNvPicPr>
+          <p:nvPr/>
+        </p:nvPicPr>
+        <p:blipFill>
+          <a:blip r:embed="rId2" cstate="print"/>
+          <a:srcRect/>
+          <a:stretch>
+            <a:fillRect/>
+          </a:stretch>
+        </p:blipFill>
+        <p:spPr bwMode="auto">
+          <a:xfrm>
+            <a:off x="3491880" y="764703"/>
+            <a:ext cx="3600400" cy="6053331"/>
+          </a:xfrm>
+          <a:prstGeom prst="rect">
+            <a:avLst/>
+          </a:prstGeom>
+          <a:noFill/>
+        </p:spPr>
+      </p:pic>
+    </p:spTree>
+  </p:cSld>
+  <p:clrMapOvr>
+    <a:masterClrMapping/>
+  </p:clrMapOvr>
+</p:sld>
+</file>
+
+<file path=ppt/slides/slide13.xml><?xml version="1.0" encoding="utf-8"?>
+<p:sld xmlns:a="http://schemas.openxmlformats.org/drawingml/2006/main" xmlns:r="http://schemas.openxmlformats.org/officeDocument/2006/relationships" xmlns:p="http://schemas.openxmlformats.org/presentationml/2006/main">
+  <p:cSld>
+    <p:spTree>
+      <p:nvGrpSpPr>
+        <p:cNvPr id="1" name=""/>
+        <p:cNvGrpSpPr/>
+        <p:nvPr/>
+      </p:nvGrpSpPr>
+      <p:grpSpPr>
+        <a:xfrm>
+          <a:off x="0" y="0"/>
+          <a:ext cx="0" cy="0"/>
+          <a:chOff x="0" y="0"/>
+          <a:chExt cx="0" cy="0"/>
+        </a:xfrm>
+      </p:grpSpPr>
+      <p:sp>
+        <p:nvSpPr>
           <p:cNvPr id="2" name="Titel 1"/>
           <p:cNvSpPr>
             <a:spLocks noGrp="1"/>
@@ -4097,13 +4337,8 @@
             <a:pPr lvl="1"/>
             <a:r>
               <a:rPr lang="en-US" dirty="0" smtClean="0"/>
-              <a:t>Children with </a:t>
-            </a:r>
-            <a:r>
-              <a:rPr lang="en-US" dirty="0" smtClean="0"/>
-              <a:t>ASD</a:t>
-            </a:r>
-            <a:endParaRPr lang="en-US" dirty="0" smtClean="0"/>
+              <a:t>Children with ASD</a:t>
+            </a:r>
           </a:p>
           <a:p>
             <a:pPr>
@@ -4114,13 +4349,8 @@
           <a:p>
             <a:r>
               <a:rPr lang="en-US" dirty="0" smtClean="0"/>
-              <a:t>Development </a:t>
-            </a:r>
-            <a:r>
-              <a:rPr lang="en-US" dirty="0" smtClean="0"/>
-              <a:t>method </a:t>
-            </a:r>
-            <a:endParaRPr lang="en-US" dirty="0" smtClean="0"/>
+              <a:t>Development method </a:t>
+            </a:r>
           </a:p>
           <a:p>
             <a:pPr lvl="1"/>
@@ -4193,11 +4423,7 @@
           <a:p>
             <a:r>
               <a:rPr lang="en-US" dirty="0" smtClean="0"/>
-              <a:t>Multi </a:t>
-            </a:r>
-            <a:r>
-              <a:rPr lang="en-US" dirty="0" smtClean="0"/>
-              <a:t>Project cont.</a:t>
+              <a:t>Multi Project cont.</a:t>
             </a:r>
             <a:endParaRPr lang="en-US" dirty="0"/>
           </a:p>
@@ -4222,21 +4448,12 @@
               <a:rPr lang="en-US" dirty="0" smtClean="0"/>
               <a:t>Problem definition </a:t>
             </a:r>
-            <a:endParaRPr lang="en-US" dirty="0" smtClean="0"/>
           </a:p>
           <a:p>
             <a:pPr lvl="1"/>
             <a:r>
               <a:rPr lang="en-US" i="1" dirty="0" smtClean="0"/>
-              <a:t>How can we ease the daily life for children with ASD and their guardians, </a:t>
-            </a:r>
-            <a:r>
-              <a:rPr lang="en-US" i="1" dirty="0" smtClean="0"/>
-              <a:t>while complying </a:t>
-            </a:r>
-            <a:r>
-              <a:rPr lang="en-US" i="1" dirty="0" smtClean="0"/>
-              <a:t>with the study regulation?</a:t>
+              <a:t>How can we ease the daily life for children with ASD and their guardians, while complying with the study regulation?</a:t>
             </a:r>
             <a:endParaRPr lang="en-US" dirty="0" smtClean="0"/>
           </a:p>
@@ -4323,13 +4540,8 @@
           <a:p>
             <a:r>
               <a:rPr lang="en-US" dirty="0" smtClean="0"/>
-              <a:t>System description &amp; </a:t>
-            </a:r>
-            <a:r>
-              <a:rPr lang="en-US" dirty="0" smtClean="0"/>
-              <a:t>architecture.</a:t>
-            </a:r>
-            <a:endParaRPr lang="en-US" dirty="0" smtClean="0"/>
+              <a:t>System description &amp; architecture.</a:t>
+            </a:r>
           </a:p>
           <a:p>
             <a:endParaRPr lang="en-US" dirty="0"/>
@@ -4619,7 +4831,52 @@
               <a:rPr lang="en-US" dirty="0" smtClean="0"/>
               <a:t>Features/functions </a:t>
             </a:r>
-            <a:endParaRPr lang="en-US" dirty="0"/>
+          </a:p>
+          <a:p>
+            <a:pPr lvl="1"/>
+            <a:r>
+              <a:rPr lang="en-US" dirty="0" smtClean="0"/>
+              <a:t>Functional GUI</a:t>
+            </a:r>
+            <a:endParaRPr lang="en-US" dirty="0" smtClean="0"/>
+          </a:p>
+          <a:p>
+            <a:pPr lvl="1"/>
+            <a:r>
+              <a:rPr lang="en-US" dirty="0" smtClean="0"/>
+              <a:t>Pictograms: Viewing and Playing</a:t>
+            </a:r>
+            <a:endParaRPr lang="en-US" dirty="0" smtClean="0"/>
+          </a:p>
+          <a:p>
+            <a:pPr lvl="1"/>
+            <a:r>
+              <a:rPr lang="en-US" dirty="0" err="1" smtClean="0"/>
+              <a:t>Catagories</a:t>
+            </a:r>
+            <a:r>
+              <a:rPr lang="en-US" dirty="0" smtClean="0"/>
+              <a:t>:</a:t>
+            </a:r>
+            <a:r>
+              <a:rPr lang="en-US" dirty="0" smtClean="0"/>
+              <a:t> </a:t>
+            </a:r>
+            <a:r>
+              <a:rPr lang="en-US" dirty="0" smtClean="0"/>
+              <a:t>Creation and </a:t>
+            </a:r>
+            <a:r>
+              <a:rPr lang="en-US" dirty="0" smtClean="0"/>
+              <a:t>Customization</a:t>
+            </a:r>
+          </a:p>
+          <a:p>
+            <a:pPr lvl="1"/>
+            <a:r>
+              <a:rPr lang="en-US" dirty="0" smtClean="0"/>
+              <a:t>Color Customization</a:t>
+            </a:r>
           </a:p>
         </p:txBody>
       </p:sp>
@@ -4670,80 +4927,69 @@
           <a:bodyPr/>
           <a:lstStyle/>
           <a:p>
+            <a:endParaRPr lang="en-US"/>
+          </a:p>
+        </p:txBody>
+      </p:sp>
+      <p:sp>
+        <p:nvSpPr>
+          <p:cNvPr id="3" name="Pladsholder til indhold 2"/>
+          <p:cNvSpPr>
+            <a:spLocks noGrp="1"/>
+          </p:cNvSpPr>
+          <p:nvPr>
+            <p:ph idx="1"/>
+          </p:nvPr>
+        </p:nvSpPr>
+        <p:spPr/>
+        <p:txBody>
+          <a:bodyPr/>
+          <a:lstStyle/>
+          <a:p>
             <a:r>
               <a:rPr lang="en-US" dirty="0" smtClean="0"/>
-              <a:t>Testing </a:t>
-            </a:r>
-            <a:endParaRPr lang="en-US" dirty="0"/>
-          </a:p>
-        </p:txBody>
-      </p:sp>
-      <p:sp>
-        <p:nvSpPr>
-          <p:cNvPr id="3" name="Pladsholder til indhold 2"/>
-          <p:cNvSpPr>
-            <a:spLocks noGrp="1"/>
-          </p:cNvSpPr>
-          <p:nvPr>
-            <p:ph idx="1"/>
-          </p:nvPr>
-        </p:nvSpPr>
-        <p:spPr/>
-        <p:txBody>
-          <a:bodyPr/>
-          <a:lstStyle/>
-          <a:p>
+              <a:t>Features we Want</a:t>
+            </a:r>
+          </a:p>
+          <a:p>
+            <a:pPr lvl="1"/>
             <a:r>
               <a:rPr lang="en-US" dirty="0" smtClean="0"/>
-              <a:t>Ad-hoc </a:t>
-            </a:r>
+              <a:t>Getting PARROT Fully Integrated into </a:t>
+            </a:r>
+            <a:r>
+              <a:rPr lang="en-US" dirty="0" err="1" smtClean="0"/>
+              <a:t>Giraf</a:t>
+            </a:r>
+            <a:endParaRPr lang="en-US" dirty="0" smtClean="0"/>
+          </a:p>
+          <a:p>
+            <a:pPr lvl="1"/>
             <a:r>
               <a:rPr lang="en-US" dirty="0" smtClean="0"/>
-              <a:t>testing</a:t>
+              <a:t>Adding Pictograms </a:t>
+            </a:r>
+            <a:r>
+              <a:rPr lang="en-US" dirty="0" smtClean="0"/>
+              <a:t>Proper</a:t>
             </a:r>
           </a:p>
           <a:p>
             <a:pPr lvl="1"/>
             <a:r>
               <a:rPr lang="en-US" dirty="0" smtClean="0"/>
-              <a:t>Quality improvement on the run.</a:t>
+              <a:t>More Options and a way to access them easily</a:t>
+            </a:r>
+          </a:p>
+          <a:p>
+            <a:pPr lvl="1"/>
+            <a:r>
+              <a:rPr lang="en-US" dirty="0" smtClean="0"/>
+              <a:t>Sub Categories.</a:t>
             </a:r>
             <a:endParaRPr lang="en-US" dirty="0" smtClean="0"/>
           </a:p>
           <a:p>
-            <a:r>
-              <a:rPr lang="en-US" dirty="0" smtClean="0"/>
-              <a:t>Dynamic Black box </a:t>
-            </a:r>
-            <a:r>
-              <a:rPr lang="en-US" dirty="0" smtClean="0"/>
-              <a:t>testing</a:t>
-            </a:r>
-          </a:p>
-          <a:p>
-            <a:pPr lvl="1"/>
-            <a:r>
-              <a:rPr lang="en-US" dirty="0" smtClean="0"/>
-              <a:t>Quality assurance according to the specification. </a:t>
-            </a:r>
-            <a:endParaRPr lang="en-US" dirty="0" smtClean="0"/>
-          </a:p>
-          <a:p>
-            <a:r>
-              <a:rPr lang="en-US" dirty="0" smtClean="0"/>
-              <a:t>Usability </a:t>
-            </a:r>
-            <a:r>
-              <a:rPr lang="en-US" dirty="0" smtClean="0"/>
-              <a:t>testing</a:t>
-            </a:r>
-          </a:p>
-          <a:p>
-            <a:pPr lvl="1"/>
-            <a:r>
-              <a:rPr lang="en-US" dirty="0" smtClean="0"/>
-              <a:t> </a:t>
-            </a:r>
             <a:endParaRPr lang="en-US" dirty="0"/>
           </a:p>
         </p:txBody>
@@ -4753,13 +4999,6 @@
   <p:clrMapOvr>
     <a:masterClrMapping/>
   </p:clrMapOvr>
-  <p:timing>
-    <p:tnLst>
-      <p:par>
-        <p:cTn id="1" dur="indefinite" restart="never" nodeType="tmRoot"/>
-      </p:par>
-    </p:tnLst>
-  </p:timing>
 </p:sld>
 </file>
 
@@ -4795,7 +5034,11 @@
           <a:bodyPr/>
           <a:lstStyle/>
           <a:p>
-            <a:endParaRPr lang="en-US"/>
+            <a:r>
+              <a:rPr lang="en-US" dirty="0" smtClean="0"/>
+              <a:t>Testing </a:t>
+            </a:r>
+            <a:endParaRPr lang="en-US" dirty="0"/>
           </a:p>
         </p:txBody>
       </p:sp>
@@ -4814,36 +5057,47 @@
           <a:bodyPr/>
           <a:lstStyle/>
           <a:p>
-            <a:endParaRPr lang="en-US"/>
-          </a:p>
-        </p:txBody>
-      </p:sp>
-      <p:pic>
-        <p:nvPicPr>
-          <p:cNvPr id="2050" name="Picture 2" descr="C:\Users\Christoffer\Desktop\speech_board.jpg"/>
-          <p:cNvPicPr>
-            <a:picLocks noChangeAspect="1" noChangeArrowheads="1"/>
-          </p:cNvPicPr>
-          <p:nvPr/>
-        </p:nvPicPr>
-        <p:blipFill>
-          <a:blip r:embed="rId2" cstate="print"/>
-          <a:srcRect/>
-          <a:stretch>
-            <a:fillRect/>
-          </a:stretch>
-        </p:blipFill>
-        <p:spPr bwMode="auto">
-          <a:xfrm>
-            <a:off x="2699792" y="260648"/>
-            <a:ext cx="3888432" cy="6221491"/>
-          </a:xfrm>
-          <a:prstGeom prst="rect">
-            <a:avLst/>
-          </a:prstGeom>
-          <a:noFill/>
-        </p:spPr>
-      </p:pic>
+            <a:r>
+              <a:rPr lang="en-US" dirty="0" smtClean="0"/>
+              <a:t>Ad-hoc testing</a:t>
+            </a:r>
+          </a:p>
+          <a:p>
+            <a:pPr lvl="1"/>
+            <a:r>
+              <a:rPr lang="en-US" dirty="0" smtClean="0"/>
+              <a:t>Quality improvement on the run.</a:t>
+            </a:r>
+          </a:p>
+          <a:p>
+            <a:r>
+              <a:rPr lang="en-US" dirty="0" smtClean="0"/>
+              <a:t>Dynamic Black box testing</a:t>
+            </a:r>
+          </a:p>
+          <a:p>
+            <a:pPr lvl="1"/>
+            <a:r>
+              <a:rPr lang="en-US" dirty="0" smtClean="0"/>
+              <a:t>Quality assurance according to the specification. </a:t>
+            </a:r>
+          </a:p>
+          <a:p>
+            <a:r>
+              <a:rPr lang="en-US" dirty="0" smtClean="0"/>
+              <a:t>Usability testing</a:t>
+            </a:r>
+          </a:p>
+          <a:p>
+            <a:pPr lvl="1"/>
+            <a:r>
+              <a:rPr lang="en-US" dirty="0" smtClean="0"/>
+              <a:t> </a:t>
+            </a:r>
+            <a:endParaRPr lang="en-US" dirty="0"/>
+          </a:p>
+        </p:txBody>
+      </p:sp>
     </p:spTree>
   </p:cSld>
   <p:clrMapOvr>

--- a/Reports/PARROT/Application development.pptx
+++ b/Reports/PARROT/Application development.pptx
@@ -293,7 +293,7 @@
             <a:fld id="{8DC755EF-4F57-43A6-98E9-C56CCC24FD76}" type="datetimeFigureOut">
               <a:rPr lang="da-DK" smtClean="0"/>
               <a:pPr/>
-              <a:t>23-06-2012</a:t>
+              <a:t>24-06-2012</a:t>
             </a:fld>
             <a:endParaRPr lang="da-DK"/>
           </a:p>
@@ -460,7 +460,7 @@
             <a:fld id="{8DC755EF-4F57-43A6-98E9-C56CCC24FD76}" type="datetimeFigureOut">
               <a:rPr lang="da-DK" smtClean="0"/>
               <a:pPr/>
-              <a:t>23-06-2012</a:t>
+              <a:t>24-06-2012</a:t>
             </a:fld>
             <a:endParaRPr lang="da-DK"/>
           </a:p>
@@ -637,7 +637,7 @@
             <a:fld id="{8DC755EF-4F57-43A6-98E9-C56CCC24FD76}" type="datetimeFigureOut">
               <a:rPr lang="da-DK" smtClean="0"/>
               <a:pPr/>
-              <a:t>23-06-2012</a:t>
+              <a:t>24-06-2012</a:t>
             </a:fld>
             <a:endParaRPr lang="da-DK"/>
           </a:p>
@@ -804,7 +804,7 @@
             <a:fld id="{8DC755EF-4F57-43A6-98E9-C56CCC24FD76}" type="datetimeFigureOut">
               <a:rPr lang="da-DK" smtClean="0"/>
               <a:pPr/>
-              <a:t>23-06-2012</a:t>
+              <a:t>24-06-2012</a:t>
             </a:fld>
             <a:endParaRPr lang="da-DK"/>
           </a:p>
@@ -1048,7 +1048,7 @@
             <a:fld id="{8DC755EF-4F57-43A6-98E9-C56CCC24FD76}" type="datetimeFigureOut">
               <a:rPr lang="da-DK" smtClean="0"/>
               <a:pPr/>
-              <a:t>23-06-2012</a:t>
+              <a:t>24-06-2012</a:t>
             </a:fld>
             <a:endParaRPr lang="da-DK"/>
           </a:p>
@@ -1314,7 +1314,7 @@
             <a:fld id="{8DC755EF-4F57-43A6-98E9-C56CCC24FD76}" type="datetimeFigureOut">
               <a:rPr lang="da-DK" smtClean="0"/>
               <a:pPr/>
-              <a:t>23-06-2012</a:t>
+              <a:t>24-06-2012</a:t>
             </a:fld>
             <a:endParaRPr lang="da-DK"/>
           </a:p>
@@ -1694,7 +1694,7 @@
             <a:fld id="{8DC755EF-4F57-43A6-98E9-C56CCC24FD76}" type="datetimeFigureOut">
               <a:rPr lang="da-DK" smtClean="0"/>
               <a:pPr/>
-              <a:t>23-06-2012</a:t>
+              <a:t>24-06-2012</a:t>
             </a:fld>
             <a:endParaRPr lang="da-DK"/>
           </a:p>
@@ -1846,7 +1846,7 @@
             <a:fld id="{8DC755EF-4F57-43A6-98E9-C56CCC24FD76}" type="datetimeFigureOut">
               <a:rPr lang="da-DK" smtClean="0"/>
               <a:pPr/>
-              <a:t>23-06-2012</a:t>
+              <a:t>24-06-2012</a:t>
             </a:fld>
             <a:endParaRPr lang="da-DK"/>
           </a:p>
@@ -1938,7 +1938,7 @@
             <a:fld id="{8DC755EF-4F57-43A6-98E9-C56CCC24FD76}" type="datetimeFigureOut">
               <a:rPr lang="da-DK" smtClean="0"/>
               <a:pPr/>
-              <a:t>23-06-2012</a:t>
+              <a:t>24-06-2012</a:t>
             </a:fld>
             <a:endParaRPr lang="da-DK"/>
           </a:p>
@@ -2201,7 +2201,7 @@
             <a:fld id="{8DC755EF-4F57-43A6-98E9-C56CCC24FD76}" type="datetimeFigureOut">
               <a:rPr lang="da-DK" smtClean="0"/>
               <a:pPr/>
-              <a:t>23-06-2012</a:t>
+              <a:t>24-06-2012</a:t>
             </a:fld>
             <a:endParaRPr lang="da-DK"/>
           </a:p>
@@ -2491,7 +2491,7 @@
             <a:fld id="{8DC755EF-4F57-43A6-98E9-C56CCC24FD76}" type="datetimeFigureOut">
               <a:rPr lang="da-DK" smtClean="0"/>
               <a:pPr/>
-              <a:t>23-06-2012</a:t>
+              <a:t>24-06-2012</a:t>
             </a:fld>
             <a:endParaRPr lang="da-DK"/>
           </a:p>
@@ -3264,7 +3264,7 @@
             <a:fld id="{8DC755EF-4F57-43A6-98E9-C56CCC24FD76}" type="datetimeFigureOut">
               <a:rPr lang="da-DK" smtClean="0"/>
               <a:pPr/>
-              <a:t>23-06-2012</a:t>
+              <a:t>24-06-2012</a:t>
             </a:fld>
             <a:endParaRPr lang="da-DK"/>
           </a:p>
@@ -4539,11 +4539,13 @@
           <a:lstStyle/>
           <a:p>
             <a:r>
-              <a:rPr lang="en-US" dirty="0" smtClean="0"/>
-              <a:t>System description &amp; architecture.</a:t>
-            </a:r>
-          </a:p>
-          <a:p>
+              <a:rPr lang="en-US" smtClean="0"/>
+              <a:t>System </a:t>
+            </a:r>
+            <a:r>
+              <a:rPr lang="en-US" smtClean="0"/>
+              <a:t>description.</a:t>
+            </a:r>
             <a:endParaRPr lang="en-US" dirty="0"/>
           </a:p>
         </p:txBody>
@@ -4838,7 +4840,6 @@
               <a:rPr lang="en-US" dirty="0" smtClean="0"/>
               <a:t>Functional GUI</a:t>
             </a:r>
-            <a:endParaRPr lang="en-US" dirty="0" smtClean="0"/>
           </a:p>
           <a:p>
             <a:pPr lvl="1"/>
@@ -4846,7 +4847,6 @@
               <a:rPr lang="en-US" dirty="0" smtClean="0"/>
               <a:t>Pictograms: Viewing and Playing</a:t>
             </a:r>
-            <a:endParaRPr lang="en-US" dirty="0" smtClean="0"/>
           </a:p>
           <a:p>
             <a:pPr lvl="1"/>
@@ -4856,19 +4856,7 @@
             </a:r>
             <a:r>
               <a:rPr lang="en-US" dirty="0" smtClean="0"/>
-              <a:t>:</a:t>
-            </a:r>
-            <a:r>
-              <a:rPr lang="en-US" dirty="0" smtClean="0"/>
-              <a:t> </a:t>
-            </a:r>
-            <a:r>
-              <a:rPr lang="en-US" dirty="0" smtClean="0"/>
-              <a:t>Creation and </a:t>
-            </a:r>
-            <a:r>
-              <a:rPr lang="en-US" dirty="0" smtClean="0"/>
-              <a:t>Customization</a:t>
+              <a:t>: Creation and Customization</a:t>
             </a:r>
           </a:p>
           <a:p>
@@ -4967,11 +4955,7 @@
             <a:pPr lvl="1"/>
             <a:r>
               <a:rPr lang="en-US" dirty="0" smtClean="0"/>
-              <a:t>Adding Pictograms </a:t>
-            </a:r>
-            <a:r>
-              <a:rPr lang="en-US" dirty="0" smtClean="0"/>
-              <a:t>Proper</a:t>
+              <a:t>Adding Pictograms Proper</a:t>
             </a:r>
           </a:p>
           <a:p>
@@ -4987,7 +4971,6 @@
               <a:rPr lang="en-US" dirty="0" smtClean="0"/>
               <a:t>Sub Categories.</a:t>
             </a:r>
-            <a:endParaRPr lang="en-US" dirty="0" smtClean="0"/>
           </a:p>
           <a:p>
             <a:endParaRPr lang="en-US" dirty="0"/>
